--- a/Demo/FYP_Presentation.pptx
+++ b/Demo/FYP_Presentation.pptx
@@ -3944,7 +3944,7 @@
               <a:buNone/>
             </a:pPr>
             <a:r>
-              <a:rPr lang="en-GB" dirty="0"/>
+              <a:rPr lang="en-GB" sz="2000" dirty="0"/>
               <a:t>Jordan Myers</a:t>
             </a:r>
           </a:p>
